--- a/演示/前端自动化.pptx
+++ b/演示/前端自动化.pptx
@@ -3064,7 +3064,7 @@
         </p:nvSpPr>
         <p:spPr>
           <a:xfrm>
-            <a:off x="960755" y="1691005"/>
+            <a:off x="838200" y="1691005"/>
             <a:ext cx="8465820" cy="645160"/>
           </a:xfrm>
           <a:prstGeom prst="rect">
@@ -3100,16 +3100,7 @@
               <a:rPr lang="zh-CN" altLang="en-US">
                 <a:sym typeface="+mn-ea"/>
               </a:rPr>
-              <a:t>，简而言之，就是</a:t>
-            </a:r>
-            <a:r>
-              <a:rPr lang="zh-CN" altLang="en-US">
-                <a:solidFill>
-                  <a:srgbClr val="FF0000"/>
-                </a:solidFill>
-                <a:sym typeface="+mn-ea"/>
-              </a:rPr>
-              <a:t>一键搞定</a:t>
+              <a:t>，简而言之，就是让工具来自动完成</a:t>
             </a:r>
             <a:r>
               <a:rPr lang="zh-CN" altLang="en-US">
@@ -3118,55 +3109,7 @@
                 </a:solidFill>
                 <a:sym typeface="+mn-ea"/>
               </a:rPr>
-              <a:t>优化压缩</a:t>
-            </a:r>
-            <a:r>
-              <a:rPr lang="en-US" altLang="zh-CN">
-                <a:sym typeface="+mn-ea"/>
-              </a:rPr>
-              <a:t>js</a:t>
-            </a:r>
-            <a:r>
-              <a:rPr lang="zh-CN" altLang="en-US">
-                <a:sym typeface="+mn-ea"/>
-              </a:rPr>
-              <a:t>、</a:t>
-            </a:r>
-            <a:r>
-              <a:rPr lang="en-US" altLang="zh-CN">
-                <a:sym typeface="+mn-ea"/>
-              </a:rPr>
-              <a:t>css,</a:t>
-            </a:r>
-            <a:r>
-              <a:rPr lang="zh-CN" altLang="en-US">
-                <a:sym typeface="+mn-ea"/>
-              </a:rPr>
-              <a:t>将浏览器还不支持的</a:t>
-            </a:r>
-            <a:r>
-              <a:rPr lang="en-US" altLang="zh-CN">
-                <a:sym typeface="+mn-ea"/>
-              </a:rPr>
-              <a:t>es6</a:t>
-            </a:r>
-            <a:r>
-              <a:rPr lang="zh-CN" altLang="en-US">
-                <a:sym typeface="+mn-ea"/>
-              </a:rPr>
-              <a:t>语法（现在一般只支持</a:t>
-            </a:r>
-            <a:r>
-              <a:rPr lang="en-US" altLang="zh-CN">
-                <a:sym typeface="+mn-ea"/>
-              </a:rPr>
-              <a:t>es5</a:t>
-            </a:r>
-            <a:r>
-              <a:rPr lang="zh-CN" altLang="en-US">
-                <a:sym typeface="+mn-ea"/>
-              </a:rPr>
-              <a:t>）</a:t>
+              <a:t>如</a:t>
             </a:r>
             <a:r>
               <a:rPr lang="zh-CN" altLang="en-US">
@@ -3175,25 +3118,43 @@
                 </a:solidFill>
                 <a:sym typeface="+mn-ea"/>
               </a:rPr>
-              <a:t>编译</a:t>
+              <a:t>优化、压缩、合并</a:t>
+            </a:r>
+            <a:r>
+              <a:rPr lang="en-US" altLang="zh-CN">
+                <a:sym typeface="+mn-ea"/>
+              </a:rPr>
+              <a:t>js</a:t>
             </a:r>
             <a:r>
               <a:rPr lang="zh-CN" altLang="en-US">
                 <a:sym typeface="+mn-ea"/>
               </a:rPr>
-              <a:t>成</a:t>
+              <a:t>、</a:t>
             </a:r>
             <a:r>
               <a:rPr lang="en-US" altLang="zh-CN">
                 <a:sym typeface="+mn-ea"/>
               </a:rPr>
-              <a:t>es5</a:t>
+              <a:t>css</a:t>
             </a:r>
             <a:r>
               <a:rPr lang="zh-CN" altLang="en-US">
                 <a:sym typeface="+mn-ea"/>
               </a:rPr>
-              <a:t>等功能。省的一步一步完成这些繁琐的操作。</a:t>
+              <a:t>等</a:t>
+            </a:r>
+            <a:r>
+              <a:rPr lang="zh-CN" altLang="en-US">
+                <a:sym typeface="+mn-ea"/>
+              </a:rPr>
+              <a:t>任务</a:t>
+            </a:r>
+            <a:r>
+              <a:rPr lang="zh-CN" altLang="en-US">
+                <a:sym typeface="+mn-ea"/>
+              </a:rPr>
+              <a:t>。省的一步一步完成这些繁琐的操作。</a:t>
             </a:r>
             <a:r>
               <a:rPr lang="en-US" altLang="zh-CN">
@@ -3361,7 +3322,7 @@
         </p:nvSpPr>
         <p:spPr>
           <a:xfrm>
-            <a:off x="838200" y="2708275"/>
+            <a:off x="838200" y="2698750"/>
             <a:ext cx="7737475" cy="645160"/>
           </a:xfrm>
           <a:prstGeom prst="rect">
@@ -3380,7 +3341,7 @@
             </a:r>
             <a:r>
               <a:rPr lang="zh-CN" altLang="en-US"/>
-              <a:t>很深奥，因为我们接下来用的自动化工具都是基于</a:t>
+              <a:t>很强大，因为我们接下来用的自动化工具都是基于</a:t>
             </a:r>
             <a:r>
               <a:rPr lang="en-US" altLang="zh-CN"/>
@@ -3388,12 +3349,12 @@
             </a:r>
             <a:r>
               <a:rPr lang="zh-CN" altLang="en-US"/>
-              <a:t>开发的，所以得装一下它，具体的使用我们暂且</a:t>
+              <a:t>开发的，所以得安装一下它，具体的使用我们暂且</a:t>
             </a:r>
             <a:r>
               <a:rPr lang="zh-CN" altLang="en-US">
                 <a:solidFill>
-                  <a:schemeClr val="accent5"/>
+                  <a:schemeClr val="tx1"/>
                 </a:solidFill>
               </a:rPr>
               <a:t>不管它</a:t>
@@ -3592,7 +3553,7 @@
           <a:p>
             <a:r>
               <a:rPr lang="zh-CN" altLang="en-US"/>
-              <a:t>用法：</a:t>
+              <a:t>用法：使用</a:t>
             </a:r>
             <a:r>
               <a:rPr lang="en-US" altLang="zh-CN"/>
@@ -3643,7 +3604,7 @@
           <a:p>
             <a:r>
               <a:rPr lang="zh-CN" altLang="en-US"/>
-              <a:t>每个任务就像是一个管道，</a:t>
+              <a:t>打个比方：每个任务就像是一个污水处理管道，</a:t>
             </a:r>
             <a:r>
               <a:rPr lang="zh-CN" altLang="en-US">
@@ -3667,7 +3628,7 @@
             </a:r>
             <a:r>
               <a:rPr lang="zh-CN" altLang="en-US"/>
-              <a:t>脏东西的节点。污水（处理前的文件）从一头流向另一头，然后变成干净的水（处理后的文件）。（就是韦唯上次说的</a:t>
+              <a:t>脏东西的节点。污水（处理前的文件）从一头流向另一头，最后变成干净的水（处理后的文件）。（跟</a:t>
             </a:r>
             <a:r>
               <a:rPr lang="en-US" altLang="zh-CN"/>
@@ -3675,7 +3636,7 @@
             </a:r>
             <a:r>
               <a:rPr lang="zh-CN" altLang="en-US"/>
-              <a:t>中的流）</a:t>
+              <a:t>中的流差不多）</a:t>
             </a:r>
             <a:endParaRPr lang="zh-CN" altLang="en-US"/>
           </a:p>
